--- a/Fase 1/Evidencias Grupales/Presentacion Proyecto.pptx
+++ b/Fase 1/Evidencias Grupales/Presentacion Proyecto.pptx
@@ -9803,8 +9803,16 @@
           <a:p>
             <a:pPr algn="ctr"/>
             <a:r>
-              <a:rPr lang="es-MX"/>
-              <a:t>Desarrollar una plataforma web que permita analizar la evolución histórica de precios de alimentos en Chile a partir de datos oficiales de ODEPA e integrar precios actuales de supermercados para la comparación de productos.</a:t>
+              <a:rPr lang="es-ES" dirty="0"/>
+              <a:t>Desarrollar una plataforma web integral que permita analizar la evolución histórica de precios de alimentos en Chile a partir de los datos oficiales de ODEPA y, como complemento, mostrar precios actuales de supermercados obtenidos mediante </a:t>
+            </a:r>
+            <a:r>
+              <a:rPr lang="es-ES" dirty="0" err="1"/>
+              <a:t>scraping</a:t>
+            </a:r>
+            <a:r>
+              <a:rPr lang="es-ES" dirty="0"/>
+              <a:t>, con el fin de entregar a los usuarios (consumidores, pymes e instituciones) una herramienta confiable que facilite la comparación de productos, el seguimiento de tendencias y la toma de decisiones informadas.</a:t>
             </a:r>
             <a:endParaRPr lang="es-CL" dirty="0"/>
           </a:p>
@@ -9851,41 +9859,34 @@
           <a:p>
             <a:pPr algn="ctr"/>
             <a:r>
-              <a:rPr lang="es-MX" dirty="0"/>
-              <a:t>Procesar y limpiar datos de ODEPA.</a:t>
-            </a:r>
-          </a:p>
-          <a:p>
-            <a:pPr algn="ctr"/>
-            <a:r>
-              <a:rPr lang="es-MX" dirty="0"/>
-              <a:t>Diseñar una base de datos para almacenar precios.</a:t>
-            </a:r>
-          </a:p>
-          <a:p>
-            <a:pPr algn="ctr"/>
-            <a:r>
-              <a:rPr lang="es-MX" dirty="0"/>
-              <a:t>Implementar un backend en Django con API de consulta.</a:t>
-            </a:r>
-          </a:p>
-          <a:p>
-            <a:pPr algn="ctr"/>
-            <a:r>
-              <a:rPr lang="es-MX" dirty="0"/>
-              <a:t>Crear dashboards interactivos para mostrar precios y tendencias.</a:t>
-            </a:r>
-          </a:p>
-          <a:p>
-            <a:pPr algn="ctr"/>
-            <a:r>
-              <a:rPr lang="es-MX" dirty="0"/>
-              <a:t>Desarrollar un módulo de comparación de precios de supermercados.</a:t>
+              <a:rPr lang="es-ES" dirty="0"/>
+              <a:t>Los objetivos específicos del proyecto son revisar y levantar los requerimientos del sistema, analizar la problemática y el contexto del proyecto, diseñar la arquitectura de la solución, procesar y normalizar los datos de ODEPA, desarrollar el </a:t>
             </a:r>
             <a:r>
-              <a:rPr lang="es-CL" dirty="0"/>
-              <a:t>.</a:t>
+              <a:rPr lang="es-ES" dirty="0" err="1"/>
+              <a:t>backend</a:t>
             </a:r>
+            <a:r>
+              <a:rPr lang="es-ES" dirty="0"/>
+              <a:t> de la plataforma, implementar el </a:t>
+            </a:r>
+            <a:r>
+              <a:rPr lang="es-ES" dirty="0" err="1"/>
+              <a:t>frontend</a:t>
+            </a:r>
+            <a:r>
+              <a:rPr lang="es-ES" dirty="0"/>
+              <a:t> de la plataforma, integrar precios actuales de supermercados mediante </a:t>
+            </a:r>
+            <a:r>
+              <a:rPr lang="es-ES" dirty="0" err="1"/>
+              <a:t>scraping</a:t>
+            </a:r>
+            <a:r>
+              <a:rPr lang="es-ES" dirty="0"/>
+              <a:t>, definir y aplicar pruebas de aceptación, realizar el despliegue del sistema y finalmente elaborar la documentación e informe final.</a:t>
+            </a:r>
+            <a:endParaRPr lang="es-CL" dirty="0"/>
           </a:p>
         </p:txBody>
       </p:sp>
